--- a/迭代模型与RUP介绍.pptx
+++ b/迭代模型与RUP介绍.pptx
@@ -268,7 +268,7 @@
                 <a:latin typeface="+mj-ea"/>
                 <a:ea typeface="+mj-ea"/>
               </a:rPr>
-              <a:t>2017/10/1</a:t>
+              <a:t>2017/10/8</a:t>
             </a:fld>
             <a:endParaRPr lang="zh-CN" altLang="en-US" dirty="0">
               <a:latin typeface="+mj-ea"/>
@@ -454,7 +454,7 @@
           <a:p>
             <a:fld id="{8DF9B502-F65B-48A3-85DE-02CBD8F1B81F}" type="datetime1">
               <a:rPr lang="zh-CN" altLang="en-US" smtClean="0"/>
-              <a:t>2017/10/1</a:t>
+              <a:t>2017/10/8</a:t>
             </a:fld>
             <a:endParaRPr lang="zh-CN" altLang="en-US" dirty="0"/>
           </a:p>
@@ -5673,7 +5673,7 @@
             <a:pPr rtl="0"/>
             <a:fld id="{3E21265D-E342-4470-A820-1411E8B56718}" type="datetime1">
               <a:rPr lang="zh-CN" altLang="en-US" smtClean="0"/>
-              <a:t>2017/10/1</a:t>
+              <a:t>2017/10/8</a:t>
             </a:fld>
             <a:endParaRPr lang="zh-CN" altLang="en-US" dirty="0"/>
           </a:p>
@@ -5873,7 +5873,7 @@
             <a:pPr rtl="0"/>
             <a:fld id="{85969C1B-D553-4991-AB6D-5C947D604115}" type="datetime1">
               <a:rPr lang="zh-CN" altLang="en-US" smtClean="0"/>
-              <a:t>2017/10/1</a:t>
+              <a:t>2017/10/8</a:t>
             </a:fld>
             <a:endParaRPr lang="zh-CN" altLang="en-US" dirty="0"/>
           </a:p>
@@ -6059,7 +6059,7 @@
             <a:pPr rtl="0"/>
             <a:fld id="{B7FD89CB-B23D-47D8-AEE9-766756025DD9}" type="datetime1">
               <a:rPr lang="zh-CN" altLang="en-US" smtClean="0"/>
-              <a:t>2017/10/1</a:t>
+              <a:t>2017/10/8</a:t>
             </a:fld>
             <a:endParaRPr lang="zh-CN" altLang="en-US" dirty="0"/>
           </a:p>
@@ -6592,7 +6592,7 @@
             <a:pPr rtl="0"/>
             <a:fld id="{4A6CBE58-2D55-470C-BEBD-4302E0D26D19}" type="datetime1">
               <a:rPr lang="zh-CN" altLang="en-US" smtClean="0"/>
-              <a:t>2017/10/1</a:t>
+              <a:t>2017/10/8</a:t>
             </a:fld>
             <a:endParaRPr lang="zh-CN" altLang="en-US" dirty="0"/>
           </a:p>
@@ -7040,7 +7040,7 @@
             <a:pPr rtl="0"/>
             <a:fld id="{D2FBEE8E-C100-4E54-AF9E-1D814C04F062}" type="datetime1">
               <a:rPr lang="zh-CN" altLang="en-US" smtClean="0"/>
-              <a:t>2017/10/1</a:t>
+              <a:t>2017/10/8</a:t>
             </a:fld>
             <a:endParaRPr lang="zh-CN" altLang="en-US" dirty="0"/>
           </a:p>
@@ -7174,7 +7174,7 @@
             <a:pPr rtl="0"/>
             <a:fld id="{D4B891CB-2527-4E08-809C-D6DFCC64E4BF}" type="datetime1">
               <a:rPr lang="zh-CN" altLang="en-US" smtClean="0"/>
-              <a:t>2017/10/1</a:t>
+              <a:t>2017/10/8</a:t>
             </a:fld>
             <a:endParaRPr lang="zh-CN" altLang="en-US" dirty="0"/>
           </a:p>
@@ -7284,7 +7284,7 @@
             <a:pPr rtl="0"/>
             <a:fld id="{4AC819B5-7D2A-4DD2-8E94-DF9D4B191F76}" type="datetime1">
               <a:rPr lang="zh-CN" altLang="en-US" smtClean="0"/>
-              <a:t>2017/10/1</a:t>
+              <a:t>2017/10/8</a:t>
             </a:fld>
             <a:endParaRPr lang="zh-CN" altLang="en-US" dirty="0"/>
           </a:p>
@@ -7584,7 +7584,7 @@
             <a:pPr rtl="0"/>
             <a:fld id="{082EFE9A-094F-4A77-AF6D-076EAD3A6487}" type="datetime1">
               <a:rPr lang="zh-CN" altLang="en-US" smtClean="0"/>
-              <a:t>2017/10/1</a:t>
+              <a:t>2017/10/8</a:t>
             </a:fld>
             <a:endParaRPr lang="zh-CN" altLang="en-US" dirty="0"/>
           </a:p>
@@ -7863,7 +7863,7 @@
             <a:pPr rtl="0"/>
             <a:fld id="{9D6AA2B9-2619-4DEE-B4D5-A95F33EEC147}" type="datetime1">
               <a:rPr lang="zh-CN" altLang="en-US" smtClean="0"/>
-              <a:t>2017/10/1</a:t>
+              <a:t>2017/10/8</a:t>
             </a:fld>
             <a:endParaRPr lang="zh-CN" altLang="en-US" dirty="0"/>
           </a:p>
@@ -8163,7 +8163,7 @@
           <a:p>
             <a:fld id="{09DFFC8E-5488-4F0C-91CD-66A2741BB815}" type="datetime1">
               <a:rPr lang="zh-CN" altLang="en-US" smtClean="0"/>
-              <a:t>2017/10/1</a:t>
+              <a:t>2017/10/8</a:t>
             </a:fld>
             <a:endParaRPr lang="zh-CN" altLang="en-US" dirty="0"/>
           </a:p>
@@ -8694,7 +8694,7 @@
         </p:blipFill>
         <p:spPr>
           <a:xfrm>
-            <a:off x="8688288" y="3933057"/>
+            <a:off x="8688941" y="3933057"/>
             <a:ext cx="3096344" cy="2088231"/>
           </a:xfrm>
           <a:prstGeom prst="rect">
@@ -10239,6 +10239,23 @@
               <a:tabLst/>
               <a:defRPr/>
             </a:pPr>
+            <a:r>
+              <a:rPr kumimoji="0" lang="zh-CN" altLang="en-US" sz="3200" b="0" i="0" u="none" strike="noStrike" kern="1200" cap="none" spc="0" normalizeH="0" baseline="0" noProof="0" dirty="0">
+                <a:ln>
+                  <a:noFill/>
+                </a:ln>
+                <a:solidFill>
+                  <a:schemeClr val="tx1"/>
+                </a:solidFill>
+                <a:effectLst/>
+                <a:uLnTx/>
+                <a:uFillTx/>
+                <a:latin typeface="Calibri Light" panose="020F0302020204030204"/>
+                <a:ea typeface="宋体" panose="02010600030101010101" pitchFamily="2" charset="-122"/>
+                <a:cs typeface="+mn-cs"/>
+              </a:rPr>
+              <a:t/>
+            </a:r>
             <a:br>
               <a:rPr kumimoji="0" lang="zh-CN" altLang="en-US" sz="3200" b="0" i="0" u="none" strike="noStrike" kern="1200" cap="none" spc="0" normalizeH="0" baseline="0" noProof="0" dirty="0">
                 <a:ln>
@@ -10390,6 +10407,23 @@
               <a:tabLst/>
               <a:defRPr/>
             </a:pPr>
+            <a:r>
+              <a:rPr kumimoji="0" lang="zh-CN" altLang="en-US" sz="3200" b="0" i="0" u="none" strike="noStrike" kern="1200" cap="none" spc="0" normalizeH="0" baseline="0" noProof="0" dirty="0">
+                <a:ln>
+                  <a:noFill/>
+                </a:ln>
+                <a:solidFill>
+                  <a:schemeClr val="tx1"/>
+                </a:solidFill>
+                <a:effectLst/>
+                <a:uLnTx/>
+                <a:uFillTx/>
+                <a:latin typeface="Calibri Light" panose="020F0302020204030204"/>
+                <a:ea typeface="宋体" panose="02010600030101010101" pitchFamily="2" charset="-122"/>
+                <a:cs typeface="+mn-cs"/>
+              </a:rPr>
+              <a:t/>
+            </a:r>
             <a:br>
               <a:rPr kumimoji="0" lang="zh-CN" altLang="en-US" sz="3200" b="0" i="0" u="none" strike="noStrike" kern="1200" cap="none" spc="0" normalizeH="0" baseline="0" noProof="0" dirty="0">
                 <a:ln>
@@ -11681,6 +11715,14 @@
               </a:rPr>
               <a:t>个最佳实践的有效部署</a:t>
             </a:r>
+            <a:r>
+              <a:rPr lang="en-US" altLang="zh-CN" dirty="0">
+                <a:solidFill>
+                  <a:schemeClr val="tx1"/>
+                </a:solidFill>
+              </a:rPr>
+              <a:t/>
+            </a:r>
             <a:br>
               <a:rPr lang="en-US" altLang="zh-CN" dirty="0">
                 <a:solidFill>
@@ -19999,6 +20041,13 @@
             </a:r>
           </a:p>
           <a:p>
+            <a:r>
+              <a:rPr lang="en-US" altLang="zh-CN" sz="2400" kern="0" dirty="0">
+                <a:latin typeface="Arial" panose="020B0604020202020204" pitchFamily="34" charset="0"/>
+                <a:cs typeface="Times New Roman" panose="02020603050405020304" pitchFamily="18" charset="0"/>
+              </a:rPr>
+              <a:t/>
+            </a:r>
             <a:br>
               <a:rPr lang="en-US" altLang="zh-CN" sz="2400" kern="0" dirty="0">
                 <a:latin typeface="Arial" panose="020B0604020202020204" pitchFamily="34" charset="0"/>
@@ -23333,6 +23382,13 @@
                 <a:cs typeface="Arial" panose="020B0604020202020204" pitchFamily="34" charset="0"/>
               </a:rPr>
               <a:t>－具体产品</a:t>
+            </a:r>
+            <a:r>
+              <a:rPr lang="en-US" altLang="zh-CN" sz="2400" kern="0" dirty="0">
+                <a:latin typeface="Arial" panose="020B0604020202020204" pitchFamily="34" charset="0"/>
+                <a:cs typeface="Times New Roman" panose="02020603050405020304" pitchFamily="18" charset="0"/>
+              </a:rPr>
+              <a:t/>
             </a:r>
             <a:br>
               <a:rPr lang="en-US" altLang="zh-CN" sz="2400" kern="0" dirty="0">
